--- a/Presentation Slides.pptx
+++ b/Presentation Slides.pptx
@@ -278,7 +278,8 @@
           <a:p>
             <a:fld id="{DE5D9268-2002-46FE-8EB2-DFA0BB4433C3}" type="datetimeFigureOut">
               <a:rPr lang="en-US" smtClean="0"/>
-              <a:t>4/12/2016</a:t>
+              <a:pPr/>
+              <a:t>4/13/2016</a:t>
             </a:fld>
             <a:endParaRPr lang="en-US"/>
           </a:p>
@@ -340,6 +341,7 @@
           <a:p>
             <a:fld id="{75088ED3-2B94-453A-9EA8-992DD12C0541}" type="slidenum">
               <a:rPr lang="en-US" smtClean="0"/>
+              <a:pPr/>
               <a:t>‹#›</a:t>
             </a:fld>
             <a:endParaRPr lang="en-US"/>
@@ -387,7 +389,7 @@
     </p:spTree>
     <p:extLst>
       <p:ext uri="{BB962C8B-B14F-4D97-AF65-F5344CB8AC3E}">
-        <p14:creationId xmlns:p14="http://schemas.microsoft.com/office/powerpoint/2010/main" val="3813117700"/>
+        <p14:creationId xmlns:p14="http://schemas.microsoft.com/office/powerpoint/2010/main" xmlns="" val="3813117700"/>
       </p:ext>
     </p:extLst>
   </p:cSld>
@@ -506,7 +508,8 @@
           <a:p>
             <a:fld id="{DE5D9268-2002-46FE-8EB2-DFA0BB4433C3}" type="datetimeFigureOut">
               <a:rPr lang="en-US" smtClean="0"/>
-              <a:t>4/12/2016</a:t>
+              <a:pPr/>
+              <a:t>4/13/2016</a:t>
             </a:fld>
             <a:endParaRPr lang="en-US"/>
           </a:p>
@@ -548,6 +551,7 @@
           <a:p>
             <a:fld id="{75088ED3-2B94-453A-9EA8-992DD12C0541}" type="slidenum">
               <a:rPr lang="en-US" smtClean="0"/>
+              <a:pPr/>
               <a:t>‹#›</a:t>
             </a:fld>
             <a:endParaRPr lang="en-US"/>
@@ -557,7 +561,7 @@
     </p:spTree>
     <p:extLst>
       <p:ext uri="{BB962C8B-B14F-4D97-AF65-F5344CB8AC3E}">
-        <p14:creationId xmlns:p14="http://schemas.microsoft.com/office/powerpoint/2010/main" val="625668645"/>
+        <p14:creationId xmlns:p14="http://schemas.microsoft.com/office/powerpoint/2010/main" xmlns="" val="625668645"/>
       </p:ext>
     </p:extLst>
   </p:cSld>
@@ -686,7 +690,8 @@
           <a:p>
             <a:fld id="{DE5D9268-2002-46FE-8EB2-DFA0BB4433C3}" type="datetimeFigureOut">
               <a:rPr lang="en-US" smtClean="0"/>
-              <a:t>4/12/2016</a:t>
+              <a:pPr/>
+              <a:t>4/13/2016</a:t>
             </a:fld>
             <a:endParaRPr lang="en-US"/>
           </a:p>
@@ -728,6 +733,7 @@
           <a:p>
             <a:fld id="{75088ED3-2B94-453A-9EA8-992DD12C0541}" type="slidenum">
               <a:rPr lang="en-US" smtClean="0"/>
+              <a:pPr/>
               <a:t>‹#›</a:t>
             </a:fld>
             <a:endParaRPr lang="en-US"/>
@@ -737,7 +743,7 @@
     </p:spTree>
     <p:extLst>
       <p:ext uri="{BB962C8B-B14F-4D97-AF65-F5344CB8AC3E}">
-        <p14:creationId xmlns:p14="http://schemas.microsoft.com/office/powerpoint/2010/main" val="3786207076"/>
+        <p14:creationId xmlns:p14="http://schemas.microsoft.com/office/powerpoint/2010/main" xmlns="" val="3786207076"/>
       </p:ext>
     </p:extLst>
   </p:cSld>
@@ -856,7 +862,8 @@
           <a:p>
             <a:fld id="{DE5D9268-2002-46FE-8EB2-DFA0BB4433C3}" type="datetimeFigureOut">
               <a:rPr lang="en-US" smtClean="0"/>
-              <a:t>4/12/2016</a:t>
+              <a:pPr/>
+              <a:t>4/13/2016</a:t>
             </a:fld>
             <a:endParaRPr lang="en-US"/>
           </a:p>
@@ -898,6 +905,7 @@
           <a:p>
             <a:fld id="{75088ED3-2B94-453A-9EA8-992DD12C0541}" type="slidenum">
               <a:rPr lang="en-US" smtClean="0"/>
+              <a:pPr/>
               <a:t>‹#›</a:t>
             </a:fld>
             <a:endParaRPr lang="en-US"/>
@@ -907,7 +915,7 @@
     </p:spTree>
     <p:extLst>
       <p:ext uri="{BB962C8B-B14F-4D97-AF65-F5344CB8AC3E}">
-        <p14:creationId xmlns:p14="http://schemas.microsoft.com/office/powerpoint/2010/main" val="2474411125"/>
+        <p14:creationId xmlns:p14="http://schemas.microsoft.com/office/powerpoint/2010/main" xmlns="" val="2474411125"/>
       </p:ext>
     </p:extLst>
   </p:cSld>
@@ -1110,7 +1118,8 @@
           <a:p>
             <a:fld id="{DE5D9268-2002-46FE-8EB2-DFA0BB4433C3}" type="datetimeFigureOut">
               <a:rPr lang="en-US" smtClean="0"/>
-              <a:t>4/12/2016</a:t>
+              <a:pPr/>
+              <a:t>4/13/2016</a:t>
             </a:fld>
             <a:endParaRPr lang="en-US"/>
           </a:p>
@@ -1152,6 +1161,7 @@
           <a:p>
             <a:fld id="{75088ED3-2B94-453A-9EA8-992DD12C0541}" type="slidenum">
               <a:rPr lang="en-US" smtClean="0"/>
+              <a:pPr/>
               <a:t>‹#›</a:t>
             </a:fld>
             <a:endParaRPr lang="en-US"/>
@@ -1199,7 +1209,7 @@
     </p:spTree>
     <p:extLst>
       <p:ext uri="{BB962C8B-B14F-4D97-AF65-F5344CB8AC3E}">
-        <p14:creationId xmlns:p14="http://schemas.microsoft.com/office/powerpoint/2010/main" val="622840320"/>
+        <p14:creationId xmlns:p14="http://schemas.microsoft.com/office/powerpoint/2010/main" xmlns="" val="622840320"/>
       </p:ext>
     </p:extLst>
   </p:cSld>
@@ -1436,7 +1446,8 @@
           <a:p>
             <a:fld id="{DE5D9268-2002-46FE-8EB2-DFA0BB4433C3}" type="datetimeFigureOut">
               <a:rPr lang="en-US" smtClean="0"/>
-              <a:t>4/12/2016</a:t>
+              <a:pPr/>
+              <a:t>4/13/2016</a:t>
             </a:fld>
             <a:endParaRPr lang="en-US"/>
           </a:p>
@@ -1478,6 +1489,7 @@
           <a:p>
             <a:fld id="{75088ED3-2B94-453A-9EA8-992DD12C0541}" type="slidenum">
               <a:rPr lang="en-US" smtClean="0"/>
+              <a:pPr/>
               <a:t>‹#›</a:t>
             </a:fld>
             <a:endParaRPr lang="en-US"/>
@@ -1487,7 +1499,7 @@
     </p:spTree>
     <p:extLst>
       <p:ext uri="{BB962C8B-B14F-4D97-AF65-F5344CB8AC3E}">
-        <p14:creationId xmlns:p14="http://schemas.microsoft.com/office/powerpoint/2010/main" val="3403781104"/>
+        <p14:creationId xmlns:p14="http://schemas.microsoft.com/office/powerpoint/2010/main" xmlns="" val="3403781104"/>
       </p:ext>
     </p:extLst>
   </p:cSld>
@@ -1887,7 +1899,8 @@
           <a:p>
             <a:fld id="{DE5D9268-2002-46FE-8EB2-DFA0BB4433C3}" type="datetimeFigureOut">
               <a:rPr lang="en-US" smtClean="0"/>
-              <a:t>4/12/2016</a:t>
+              <a:pPr/>
+              <a:t>4/13/2016</a:t>
             </a:fld>
             <a:endParaRPr lang="en-US"/>
           </a:p>
@@ -1929,6 +1942,7 @@
           <a:p>
             <a:fld id="{75088ED3-2B94-453A-9EA8-992DD12C0541}" type="slidenum">
               <a:rPr lang="en-US" smtClean="0"/>
+              <a:pPr/>
               <a:t>‹#›</a:t>
             </a:fld>
             <a:endParaRPr lang="en-US"/>
@@ -1938,7 +1952,7 @@
     </p:spTree>
     <p:extLst>
       <p:ext uri="{BB962C8B-B14F-4D97-AF65-F5344CB8AC3E}">
-        <p14:creationId xmlns:p14="http://schemas.microsoft.com/office/powerpoint/2010/main" val="2285306133"/>
+        <p14:creationId xmlns:p14="http://schemas.microsoft.com/office/powerpoint/2010/main" xmlns="" val="2285306133"/>
       </p:ext>
     </p:extLst>
   </p:cSld>
@@ -2005,7 +2019,8 @@
           <a:p>
             <a:fld id="{DE5D9268-2002-46FE-8EB2-DFA0BB4433C3}" type="datetimeFigureOut">
               <a:rPr lang="en-US" smtClean="0"/>
-              <a:t>4/12/2016</a:t>
+              <a:pPr/>
+              <a:t>4/13/2016</a:t>
             </a:fld>
             <a:endParaRPr lang="en-US"/>
           </a:p>
@@ -2047,6 +2062,7 @@
           <a:p>
             <a:fld id="{75088ED3-2B94-453A-9EA8-992DD12C0541}" type="slidenum">
               <a:rPr lang="en-US" smtClean="0"/>
+              <a:pPr/>
               <a:t>‹#›</a:t>
             </a:fld>
             <a:endParaRPr lang="en-US"/>
@@ -2056,7 +2072,7 @@
     </p:spTree>
     <p:extLst>
       <p:ext uri="{BB962C8B-B14F-4D97-AF65-F5344CB8AC3E}">
-        <p14:creationId xmlns:p14="http://schemas.microsoft.com/office/powerpoint/2010/main" val="252693454"/>
+        <p14:creationId xmlns:p14="http://schemas.microsoft.com/office/powerpoint/2010/main" xmlns="" val="252693454"/>
       </p:ext>
     </p:extLst>
   </p:cSld>
@@ -2100,7 +2116,8 @@
           <a:p>
             <a:fld id="{DE5D9268-2002-46FE-8EB2-DFA0BB4433C3}" type="datetimeFigureOut">
               <a:rPr lang="en-US" smtClean="0"/>
-              <a:t>4/12/2016</a:t>
+              <a:pPr/>
+              <a:t>4/13/2016</a:t>
             </a:fld>
             <a:endParaRPr lang="en-US"/>
           </a:p>
@@ -2142,6 +2159,7 @@
           <a:p>
             <a:fld id="{75088ED3-2B94-453A-9EA8-992DD12C0541}" type="slidenum">
               <a:rPr lang="en-US" smtClean="0"/>
+              <a:pPr/>
               <a:t>‹#›</a:t>
             </a:fld>
             <a:endParaRPr lang="en-US"/>
@@ -2151,7 +2169,7 @@
     </p:spTree>
     <p:extLst>
       <p:ext uri="{BB962C8B-B14F-4D97-AF65-F5344CB8AC3E}">
-        <p14:creationId xmlns:p14="http://schemas.microsoft.com/office/powerpoint/2010/main" val="1280108760"/>
+        <p14:creationId xmlns:p14="http://schemas.microsoft.com/office/powerpoint/2010/main" xmlns="" val="1280108760"/>
       </p:ext>
     </p:extLst>
   </p:cSld>
@@ -2387,7 +2405,8 @@
           <a:p>
             <a:fld id="{DE5D9268-2002-46FE-8EB2-DFA0BB4433C3}" type="datetimeFigureOut">
               <a:rPr lang="en-US" smtClean="0"/>
-              <a:t>4/12/2016</a:t>
+              <a:pPr/>
+              <a:t>4/13/2016</a:t>
             </a:fld>
             <a:endParaRPr lang="en-US"/>
           </a:p>
@@ -2429,6 +2448,7 @@
           <a:p>
             <a:fld id="{75088ED3-2B94-453A-9EA8-992DD12C0541}" type="slidenum">
               <a:rPr lang="en-US" smtClean="0"/>
+              <a:pPr/>
               <a:t>‹#›</a:t>
             </a:fld>
             <a:endParaRPr lang="en-US"/>
@@ -2438,7 +2458,7 @@
     </p:spTree>
     <p:extLst>
       <p:ext uri="{BB962C8B-B14F-4D97-AF65-F5344CB8AC3E}">
-        <p14:creationId xmlns:p14="http://schemas.microsoft.com/office/powerpoint/2010/main" val="1598917267"/>
+        <p14:creationId xmlns:p14="http://schemas.microsoft.com/office/powerpoint/2010/main" xmlns="" val="1598917267"/>
       </p:ext>
     </p:extLst>
   </p:cSld>
@@ -2709,7 +2729,8 @@
           <a:p>
             <a:fld id="{DE5D9268-2002-46FE-8EB2-DFA0BB4433C3}" type="datetimeFigureOut">
               <a:rPr lang="en-US" smtClean="0"/>
-              <a:t>4/12/2016</a:t>
+              <a:pPr/>
+              <a:t>4/13/2016</a:t>
             </a:fld>
             <a:endParaRPr lang="en-US"/>
           </a:p>
@@ -2751,6 +2772,7 @@
           <a:p>
             <a:fld id="{75088ED3-2B94-453A-9EA8-992DD12C0541}" type="slidenum">
               <a:rPr lang="en-US" smtClean="0"/>
+              <a:pPr/>
               <a:t>‹#›</a:t>
             </a:fld>
             <a:endParaRPr lang="en-US"/>
@@ -2760,7 +2782,7 @@
     </p:spTree>
     <p:extLst>
       <p:ext uri="{BB962C8B-B14F-4D97-AF65-F5344CB8AC3E}">
-        <p14:creationId xmlns:p14="http://schemas.microsoft.com/office/powerpoint/2010/main" val="349985925"/>
+        <p14:creationId xmlns:p14="http://schemas.microsoft.com/office/powerpoint/2010/main" xmlns="" val="349985925"/>
       </p:ext>
     </p:extLst>
   </p:cSld>
@@ -2963,7 +2985,8 @@
           <a:p>
             <a:fld id="{DE5D9268-2002-46FE-8EB2-DFA0BB4433C3}" type="datetimeFigureOut">
               <a:rPr lang="en-US" smtClean="0"/>
-              <a:t>4/12/2016</a:t>
+              <a:pPr/>
+              <a:t>4/13/2016</a:t>
             </a:fld>
             <a:endParaRPr lang="en-US"/>
           </a:p>
@@ -3045,6 +3068,7 @@
           <a:p>
             <a:fld id="{75088ED3-2B94-453A-9EA8-992DD12C0541}" type="slidenum">
               <a:rPr lang="en-US" smtClean="0"/>
+              <a:pPr/>
               <a:t>‹#›</a:t>
             </a:fld>
             <a:endParaRPr lang="en-US"/>
@@ -3054,7 +3078,7 @@
     </p:spTree>
     <p:extLst>
       <p:ext uri="{BB962C8B-B14F-4D97-AF65-F5344CB8AC3E}">
-        <p14:creationId xmlns:p14="http://schemas.microsoft.com/office/powerpoint/2010/main" val="3560850046"/>
+        <p14:creationId xmlns:p14="http://schemas.microsoft.com/office/powerpoint/2010/main" xmlns="" val="3560850046"/>
       </p:ext>
     </p:extLst>
   </p:cSld>
@@ -3516,7 +3540,7 @@
     </p:spTree>
     <p:extLst>
       <p:ext uri="{BB962C8B-B14F-4D97-AF65-F5344CB8AC3E}">
-        <p14:creationId xmlns:p14="http://schemas.microsoft.com/office/powerpoint/2010/main" val="2165626313"/>
+        <p14:creationId xmlns:p14="http://schemas.microsoft.com/office/powerpoint/2010/main" xmlns="" val="2165626313"/>
       </p:ext>
     </p:extLst>
   </p:cSld>
@@ -3568,7 +3592,7 @@
       </p:sp>
       <p:pic>
         <p:nvPicPr>
-          <p:cNvPr id="4" name="Content Placeholder 3"/>
+          <p:cNvPr id="6" name="Content Placeholder 5" descr="NewERDiagram.PNG"/>
           <p:cNvPicPr>
             <a:picLocks noGrp="1" noChangeAspect="1"/>
           </p:cNvPicPr>
@@ -3577,25 +3601,22 @@
           </p:nvPr>
         </p:nvPicPr>
         <p:blipFill>
-          <a:blip r:embed="rId2"/>
+          <a:blip r:embed="rId2" cstate="print"/>
           <a:stretch>
             <a:fillRect/>
           </a:stretch>
         </p:blipFill>
         <p:spPr>
           <a:xfrm>
-            <a:off x="1314449" y="2282032"/>
-            <a:ext cx="9140977" cy="3286746"/>
+            <a:off x="1513204" y="1663224"/>
+            <a:ext cx="7762965" cy="4798536"/>
           </a:xfrm>
-          <a:prstGeom prst="rect">
-            <a:avLst/>
-          </a:prstGeom>
         </p:spPr>
       </p:pic>
     </p:spTree>
     <p:extLst>
       <p:ext uri="{BB962C8B-B14F-4D97-AF65-F5344CB8AC3E}">
-        <p14:creationId xmlns:p14="http://schemas.microsoft.com/office/powerpoint/2010/main" val="3249186228"/>
+        <p14:creationId xmlns:p14="http://schemas.microsoft.com/office/powerpoint/2010/main" xmlns="" val="3249186228"/>
       </p:ext>
     </p:extLst>
   </p:cSld>
@@ -3656,10 +3677,10 @@
           </p:nvPr>
         </p:nvPicPr>
         <p:blipFill>
-          <a:blip r:embed="rId2">
+          <a:blip r:embed="rId2" cstate="print">
             <a:extLst>
               <a:ext uri="{28A0092B-C50C-407E-A947-70E740481C1C}">
-                <a14:useLocalDpi xmlns:a14="http://schemas.microsoft.com/office/drawing/2010/main" val="0"/>
+                <a14:useLocalDpi xmlns:a14="http://schemas.microsoft.com/office/drawing/2010/main" xmlns="" val="0"/>
               </a:ext>
             </a:extLst>
           </a:blip>
@@ -3679,7 +3700,7 @@
           <a:noFill/>
           <a:extLst>
             <a:ext uri="{909E8E84-426E-40DD-AFC4-6F175D3DCCD1}">
-              <a14:hiddenFill xmlns:a14="http://schemas.microsoft.com/office/drawing/2010/main">
+              <a14:hiddenFill xmlns:a14="http://schemas.microsoft.com/office/drawing/2010/main" xmlns="">
                 <a:solidFill>
                   <a:srgbClr val="FFFFFF"/>
                 </a:solidFill>
@@ -3691,7 +3712,7 @@
     </p:spTree>
     <p:extLst>
       <p:ext uri="{BB962C8B-B14F-4D97-AF65-F5344CB8AC3E}">
-        <p14:creationId xmlns:p14="http://schemas.microsoft.com/office/powerpoint/2010/main" val="2636585511"/>
+        <p14:creationId xmlns:p14="http://schemas.microsoft.com/office/powerpoint/2010/main" xmlns="" val="2636585511"/>
       </p:ext>
     </p:extLst>
   </p:cSld>
@@ -3815,7 +3836,7 @@
     </p:spTree>
     <p:extLst>
       <p:ext uri="{BB962C8B-B14F-4D97-AF65-F5344CB8AC3E}">
-        <p14:creationId xmlns:p14="http://schemas.microsoft.com/office/powerpoint/2010/main" val="2347583494"/>
+        <p14:creationId xmlns:p14="http://schemas.microsoft.com/office/powerpoint/2010/main" xmlns="" val="2347583494"/>
       </p:ext>
     </p:extLst>
   </p:cSld>
@@ -3868,7 +3889,7 @@
     </a:clrScheme>
     <a:fontScheme name="View">
       <a:majorFont>
-        <a:latin typeface="Century Schoolbook" panose="02040604050505020304"/>
+        <a:latin typeface="Century Schoolbook"/>
         <a:ea typeface=""/>
         <a:cs typeface=""/>
         <a:font script="Jpan" typeface="ＭＳ ゴシック"/>
@@ -3903,7 +3924,7 @@
         <a:font script="Geor" typeface="Sylfaen"/>
       </a:majorFont>
       <a:minorFont>
-        <a:latin typeface="Century Schoolbook" panose="02040604050505020304"/>
+        <a:latin typeface="Century Schoolbook"/>
         <a:ea typeface=""/>
         <a:cs typeface=""/>
         <a:font script="Jpan" typeface="ＭＳ ゴシック"/>
@@ -4072,7 +4093,7 @@
   <a:extraClrSchemeLst/>
   <a:extLst>
     <a:ext uri="{05A4C25C-085E-4340-85A3-A5531E510DB2}">
-      <thm15:themeFamily xmlns:thm15="http://schemas.microsoft.com/office/thememl/2012/main" name="View" id="{BA0EB5A6-F2D4-4F82-977B-64ADEE4A2A69}" vid="{3969A8A2-35DB-4E3B-8885-16FD20568674}"/>
+      <thm15:themeFamily xmlns:thm15="http://schemas.microsoft.com/office/thememl/2012/main" xmlns="" name="View" id="{BA0EB5A6-F2D4-4F82-977B-64ADEE4A2A69}" vid="{3969A8A2-35DB-4E3B-8885-16FD20568674}"/>
     </a:ext>
   </a:extLst>
 </a:theme>
